--- a/03设计文档/产品规划与机器学习平台.pptx
+++ b/03设计文档/产品规划与机器学习平台.pptx
@@ -6239,11 +6239,11 @@
     <dgm:cxn modelId="{68CCFDDF-797D-4CDA-8B39-70D2AD4B5277}" srcId="{E78CD1CF-010B-4CE1-87E6-D15422BFE501}" destId="{8F4DF43B-EE22-4944-97CB-FB12B6F448F4}" srcOrd="0" destOrd="0" parTransId="{F7D1646A-3039-4EF5-A47E-9E366FC97A61}" sibTransId="{C3B9F71E-B25E-498D-880D-1C9F8FC96227}"/>
     <dgm:cxn modelId="{65674441-A636-4E99-A1B3-58EAB58A1713}" type="presOf" srcId="{3686BECD-1AAC-40C0-804C-B3603F5BCB9B}" destId="{B73E5F41-3AB3-4136-96A1-ABD3B7FE5D03}" srcOrd="0" destOrd="1" presId="urn:microsoft.com/office/officeart/2005/8/layout/vList2"/>
     <dgm:cxn modelId="{63D09B66-B555-4235-A5CC-6E0E88D40A04}" type="presOf" srcId="{D8708157-ACCF-47F4-8B28-D82ADF4D630E}" destId="{1423AC30-531D-4610-BE3C-9F2ADA4C5CCD}" srcOrd="0" destOrd="2" presId="urn:microsoft.com/office/officeart/2005/8/layout/vList2"/>
+    <dgm:cxn modelId="{257F7218-6BB9-4F60-878D-0C6988B2A809}" srcId="{15D63427-2345-4382-839A-12363023B59F}" destId="{91F11B5A-8EC8-46A8-8357-271637F77443}" srcOrd="0" destOrd="0" parTransId="{6D4C3D69-AF04-4591-8C46-D5D8D02EDACD}" sibTransId="{04A27346-37FC-4810-B32D-2A71C6689080}"/>
     <dgm:cxn modelId="{60854EBF-E2C0-48DA-BAE9-2D2E2B128117}" srcId="{4EB69F67-BCE2-4ECF-885A-E2B07992C7DF}" destId="{7AE19CF6-9AD9-4AFA-8D6F-53B56808857B}" srcOrd="3" destOrd="0" parTransId="{D595554F-18BF-48F1-B835-50B4F42CDB4C}" sibTransId="{50DBB4A4-34B5-4D3E-817D-E0744538461F}"/>
-    <dgm:cxn modelId="{257F7218-6BB9-4F60-878D-0C6988B2A809}" srcId="{15D63427-2345-4382-839A-12363023B59F}" destId="{91F11B5A-8EC8-46A8-8357-271637F77443}" srcOrd="0" destOrd="0" parTransId="{6D4C3D69-AF04-4591-8C46-D5D8D02EDACD}" sibTransId="{04A27346-37FC-4810-B32D-2A71C6689080}"/>
     <dgm:cxn modelId="{39A3CA55-35DF-4D86-9045-F011BFFC032D}" srcId="{E2CAAFA2-254B-4DEA-AF9E-AACC035F0948}" destId="{003B04E1-4094-41A8-B9B3-686DF7D69C95}" srcOrd="3" destOrd="0" parTransId="{604DC87C-84CD-4C38-96D1-98E4A29EDE91}" sibTransId="{66E29971-F29B-49B5-AEA1-F559A796D57D}"/>
+    <dgm:cxn modelId="{71ECAB51-8B71-4808-95C4-EE7D61A5D708}" type="presOf" srcId="{153A3477-7A95-42DD-BE48-7ABF96B7464E}" destId="{7236045B-5900-473E-A178-AF20923747E2}" srcOrd="0" destOrd="0" presId="urn:microsoft.com/office/officeart/2005/8/layout/vList2"/>
     <dgm:cxn modelId="{E4D8153F-DAB2-4144-9CDD-7C181B5EFDDF}" srcId="{E2CAAFA2-254B-4DEA-AF9E-AACC035F0948}" destId="{15D63427-2345-4382-839A-12363023B59F}" srcOrd="0" destOrd="0" parTransId="{3C78BFB0-C14D-4469-878E-79ED9E048167}" sibTransId="{CC61C90A-C359-490D-83D5-D9527440E610}"/>
-    <dgm:cxn modelId="{71ECAB51-8B71-4808-95C4-EE7D61A5D708}" type="presOf" srcId="{153A3477-7A95-42DD-BE48-7ABF96B7464E}" destId="{7236045B-5900-473E-A178-AF20923747E2}" srcOrd="0" destOrd="0" presId="urn:microsoft.com/office/officeart/2005/8/layout/vList2"/>
     <dgm:cxn modelId="{3610B36D-5F21-4AAB-9383-0639940F5227}" type="presParOf" srcId="{A6E97539-5596-4DF9-BD39-C2D64A537652}" destId="{04CA0C98-292D-40AD-91C8-A4D443DDB8CD}" srcOrd="0" destOrd="0" presId="urn:microsoft.com/office/officeart/2005/8/layout/vList2"/>
     <dgm:cxn modelId="{40E0910B-27E7-48FD-AA70-44ACEB50B8E8}" type="presParOf" srcId="{A6E97539-5596-4DF9-BD39-C2D64A537652}" destId="{302B382D-9D79-4876-B0FB-6E61C05D653F}" srcOrd="1" destOrd="0" presId="urn:microsoft.com/office/officeart/2005/8/layout/vList2"/>
     <dgm:cxn modelId="{13E73C0C-0199-40BF-B504-7DE4910A7BBC}" type="presParOf" srcId="{A6E97539-5596-4DF9-BD39-C2D64A537652}" destId="{FD347E0A-6B82-4B0C-995D-51C23A141C9F}" srcOrd="2" destOrd="0" presId="urn:microsoft.com/office/officeart/2005/8/layout/vList2"/>
@@ -6461,8 +6461,8 @@
   <dgm:cxnLst>
     <dgm:cxn modelId="{E2F58EF2-E78A-4B99-BB9E-F98E308095BB}" type="presOf" srcId="{15D63427-2345-4382-839A-12363023B59F}" destId="{04CA0C98-292D-40AD-91C8-A4D443DDB8CD}" srcOrd="0" destOrd="0" presId="urn:microsoft.com/office/officeart/2005/8/layout/vList2"/>
     <dgm:cxn modelId="{F8D582EB-B884-4747-85BC-33941B7B1890}" type="presOf" srcId="{4EB69F67-BCE2-4ECF-885A-E2B07992C7DF}" destId="{FD347E0A-6B82-4B0C-995D-51C23A141C9F}" srcOrd="0" destOrd="0" presId="urn:microsoft.com/office/officeart/2005/8/layout/vList2"/>
+    <dgm:cxn modelId="{01A3ADAC-9779-417A-9C52-4B7DADF3E72C}" type="presOf" srcId="{E2CAAFA2-254B-4DEA-AF9E-AACC035F0948}" destId="{A6E97539-5596-4DF9-BD39-C2D64A537652}" srcOrd="0" destOrd="0" presId="urn:microsoft.com/office/officeart/2005/8/layout/vList2"/>
     <dgm:cxn modelId="{D21476AF-3920-46FE-BD32-C4E9E1415525}" srcId="{E2CAAFA2-254B-4DEA-AF9E-AACC035F0948}" destId="{4EB69F67-BCE2-4ECF-885A-E2B07992C7DF}" srcOrd="1" destOrd="0" parTransId="{F05F7388-5305-48EE-9409-9084F2C41013}" sibTransId="{D1B3F939-6EC8-4462-B5D8-CB4CFB823B54}"/>
-    <dgm:cxn modelId="{01A3ADAC-9779-417A-9C52-4B7DADF3E72C}" type="presOf" srcId="{E2CAAFA2-254B-4DEA-AF9E-AACC035F0948}" destId="{A6E97539-5596-4DF9-BD39-C2D64A537652}" srcOrd="0" destOrd="0" presId="urn:microsoft.com/office/officeart/2005/8/layout/vList2"/>
     <dgm:cxn modelId="{E4D8153F-DAB2-4144-9CDD-7C181B5EFDDF}" srcId="{E2CAAFA2-254B-4DEA-AF9E-AACC035F0948}" destId="{15D63427-2345-4382-839A-12363023B59F}" srcOrd="0" destOrd="0" parTransId="{3C78BFB0-C14D-4469-878E-79ED9E048167}" sibTransId="{CC61C90A-C359-490D-83D5-D9527440E610}"/>
     <dgm:cxn modelId="{3610B36D-5F21-4AAB-9383-0639940F5227}" type="presParOf" srcId="{A6E97539-5596-4DF9-BD39-C2D64A537652}" destId="{04CA0C98-292D-40AD-91C8-A4D443DDB8CD}" srcOrd="0" destOrd="0" presId="urn:microsoft.com/office/officeart/2005/8/layout/vList2"/>
     <dgm:cxn modelId="{2E478CFF-7B2A-45D4-89B9-AFF9461B9A22}" type="presParOf" srcId="{A6E97539-5596-4DF9-BD39-C2D64A537652}" destId="{8F16C4ED-E2AC-42C8-9784-294AA1332704}" srcOrd="1" destOrd="0" presId="urn:microsoft.com/office/officeart/2005/8/layout/vList2"/>
@@ -7032,15 +7032,7 @@
           </a:r>
           <a:r>
             <a:rPr lang="zh-CN" altLang="en-US" b="1" dirty="0" smtClean="0"/>
-            <a:t>：</a:t>
-          </a:r>
-          <a:r>
-            <a:rPr lang="zh-CN" altLang="en-US" b="1" dirty="0" smtClean="0"/>
-            <a:t>计算</a:t>
-          </a:r>
-          <a:r>
-            <a:rPr lang="zh-CN" altLang="en-US" b="1" dirty="0" smtClean="0"/>
-            <a:t>组件通用包工程</a:t>
+            <a:t>：计算组件通用包工程</a:t>
           </a:r>
           <a:endParaRPr lang="zh-CN" altLang="en-US" b="1" dirty="0"/>
         </a:p>
@@ -11723,15 +11715,7 @@
           </a:r>
           <a:r>
             <a:rPr lang="zh-CN" altLang="en-US" sz="1600" b="1" kern="1200" dirty="0" smtClean="0"/>
-            <a:t>：</a:t>
-          </a:r>
-          <a:r>
-            <a:rPr lang="zh-CN" altLang="en-US" sz="1600" b="1" kern="1200" dirty="0" smtClean="0"/>
-            <a:t>计算</a:t>
-          </a:r>
-          <a:r>
-            <a:rPr lang="zh-CN" altLang="en-US" sz="1600" b="1" kern="1200" dirty="0" smtClean="0"/>
-            <a:t>组件通用包工程</a:t>
+            <a:t>：计算组件通用包工程</a:t>
           </a:r>
           <a:endParaRPr lang="zh-CN" altLang="en-US" sz="1600" b="1" kern="1200" dirty="0"/>
         </a:p>
@@ -17948,7 +17932,7 @@
           <a:p>
             <a:fld id="{32D43B61-ADD0-7448-9BC3-F70BFA1F8529}" type="datetimeFigureOut">
               <a:rPr kumimoji="1" lang="zh-CN" altLang="en-US" smtClean="0"/>
-              <a:t>2018/11/13</a:t>
+              <a:t>2018/11/14</a:t>
             </a:fld>
             <a:endParaRPr kumimoji="1" lang="zh-CN" altLang="en-US"/>
           </a:p>
@@ -19174,7 +19158,7 @@
           <a:p>
             <a:fld id="{1681B6C6-8419-6843-AAC7-3C6571B722FB}" type="datetimeFigureOut">
               <a:rPr kumimoji="1" lang="zh-CN" altLang="en-US" smtClean="0"/>
-              <a:t>2018/11/13</a:t>
+              <a:t>2018/11/14</a:t>
             </a:fld>
             <a:endParaRPr kumimoji="1" lang="zh-CN" altLang="en-US"/>
           </a:p>
@@ -19369,7 +19353,7 @@
           <a:p>
             <a:fld id="{1681B6C6-8419-6843-AAC7-3C6571B722FB}" type="datetimeFigureOut">
               <a:rPr kumimoji="1" lang="zh-CN" altLang="en-US" smtClean="0"/>
-              <a:t>2018/11/13</a:t>
+              <a:t>2018/11/14</a:t>
             </a:fld>
             <a:endParaRPr kumimoji="1" lang="zh-CN" altLang="en-US"/>
           </a:p>
@@ -19544,7 +19528,7 @@
           <a:p>
             <a:fld id="{1681B6C6-8419-6843-AAC7-3C6571B722FB}" type="datetimeFigureOut">
               <a:rPr kumimoji="1" lang="zh-CN" altLang="en-US" smtClean="0"/>
-              <a:t>2018/11/13</a:t>
+              <a:t>2018/11/14</a:t>
             </a:fld>
             <a:endParaRPr kumimoji="1" lang="zh-CN" altLang="en-US"/>
           </a:p>
@@ -19731,7 +19715,7 @@
           <a:p>
             <a:fld id="{BB2C7420-5CB8-0342-A8E8-0E3754D5D583}" type="datetimeFigureOut">
               <a:rPr kumimoji="1" lang="zh-CN" altLang="en-US" smtClean="0"/>
-              <a:t>2018/11/13</a:t>
+              <a:t>2018/11/14</a:t>
             </a:fld>
             <a:endParaRPr kumimoji="1" lang="zh-CN" altLang="en-US"/>
           </a:p>
@@ -19896,7 +19880,7 @@
           <a:p>
             <a:fld id="{BB2C7420-5CB8-0342-A8E8-0E3754D5D583}" type="datetimeFigureOut">
               <a:rPr kumimoji="1" lang="zh-CN" altLang="en-US" smtClean="0"/>
-              <a:t>2018/11/13</a:t>
+              <a:t>2018/11/14</a:t>
             </a:fld>
             <a:endParaRPr kumimoji="1" lang="zh-CN" altLang="en-US"/>
           </a:p>
@@ -20137,7 +20121,7 @@
           <a:p>
             <a:fld id="{BB2C7420-5CB8-0342-A8E8-0E3754D5D583}" type="datetimeFigureOut">
               <a:rPr kumimoji="1" lang="zh-CN" altLang="en-US" smtClean="0"/>
-              <a:t>2018/11/13</a:t>
+              <a:t>2018/11/14</a:t>
             </a:fld>
             <a:endParaRPr kumimoji="1" lang="zh-CN" altLang="en-US"/>
           </a:p>
@@ -20364,7 +20348,7 @@
           <a:p>
             <a:fld id="{BB2C7420-5CB8-0342-A8E8-0E3754D5D583}" type="datetimeFigureOut">
               <a:rPr kumimoji="1" lang="zh-CN" altLang="en-US" smtClean="0"/>
-              <a:t>2018/11/13</a:t>
+              <a:t>2018/11/14</a:t>
             </a:fld>
             <a:endParaRPr kumimoji="1" lang="zh-CN" altLang="en-US"/>
           </a:p>
@@ -20726,7 +20710,7 @@
           <a:p>
             <a:fld id="{BB2C7420-5CB8-0342-A8E8-0E3754D5D583}" type="datetimeFigureOut">
               <a:rPr kumimoji="1" lang="zh-CN" altLang="en-US" smtClean="0"/>
-              <a:t>2018/11/13</a:t>
+              <a:t>2018/11/14</a:t>
             </a:fld>
             <a:endParaRPr kumimoji="1" lang="zh-CN" altLang="en-US"/>
           </a:p>
@@ -20839,7 +20823,7 @@
           <a:p>
             <a:fld id="{BB2C7420-5CB8-0342-A8E8-0E3754D5D583}" type="datetimeFigureOut">
               <a:rPr kumimoji="1" lang="zh-CN" altLang="en-US" smtClean="0"/>
-              <a:t>2018/11/13</a:t>
+              <a:t>2018/11/14</a:t>
             </a:fld>
             <a:endParaRPr kumimoji="1" lang="zh-CN" altLang="en-US"/>
           </a:p>
@@ -20929,7 +20913,7 @@
           <a:p>
             <a:fld id="{BB2C7420-5CB8-0342-A8E8-0E3754D5D583}" type="datetimeFigureOut">
               <a:rPr kumimoji="1" lang="zh-CN" altLang="en-US" smtClean="0"/>
-              <a:t>2018/11/13</a:t>
+              <a:t>2018/11/14</a:t>
             </a:fld>
             <a:endParaRPr kumimoji="1" lang="zh-CN" altLang="en-US"/>
           </a:p>
@@ -21231,7 +21215,7 @@
           <a:p>
             <a:fld id="{BB2C7420-5CB8-0342-A8E8-0E3754D5D583}" type="datetimeFigureOut">
               <a:rPr kumimoji="1" lang="zh-CN" altLang="en-US" smtClean="0"/>
-              <a:t>2018/11/13</a:t>
+              <a:t>2018/11/14</a:t>
             </a:fld>
             <a:endParaRPr kumimoji="1" lang="zh-CN" altLang="en-US"/>
           </a:p>
@@ -21396,7 +21380,7 @@
           <a:p>
             <a:fld id="{1681B6C6-8419-6843-AAC7-3C6571B722FB}" type="datetimeFigureOut">
               <a:rPr kumimoji="1" lang="zh-CN" altLang="en-US" smtClean="0"/>
-              <a:t>2018/11/13</a:t>
+              <a:t>2018/11/14</a:t>
             </a:fld>
             <a:endParaRPr kumimoji="1" lang="zh-CN" altLang="en-US"/>
           </a:p>
@@ -21644,7 +21628,7 @@
           <a:p>
             <a:fld id="{BB2C7420-5CB8-0342-A8E8-0E3754D5D583}" type="datetimeFigureOut">
               <a:rPr kumimoji="1" lang="zh-CN" altLang="en-US" smtClean="0"/>
-              <a:t>2018/11/13</a:t>
+              <a:t>2018/11/14</a:t>
             </a:fld>
             <a:endParaRPr kumimoji="1" lang="zh-CN" altLang="en-US"/>
           </a:p>
@@ -21809,7 +21793,7 @@
           <a:p>
             <a:fld id="{BB2C7420-5CB8-0342-A8E8-0E3754D5D583}" type="datetimeFigureOut">
               <a:rPr kumimoji="1" lang="zh-CN" altLang="en-US" smtClean="0"/>
-              <a:t>2018/11/13</a:t>
+              <a:t>2018/11/14</a:t>
             </a:fld>
             <a:endParaRPr kumimoji="1" lang="zh-CN" altLang="en-US"/>
           </a:p>
@@ -21984,7 +21968,7 @@
           <a:p>
             <a:fld id="{BB2C7420-5CB8-0342-A8E8-0E3754D5D583}" type="datetimeFigureOut">
               <a:rPr kumimoji="1" lang="zh-CN" altLang="en-US" smtClean="0"/>
-              <a:t>2018/11/13</a:t>
+              <a:t>2018/11/14</a:t>
             </a:fld>
             <a:endParaRPr kumimoji="1" lang="zh-CN" altLang="en-US"/>
           </a:p>
@@ -22225,7 +22209,7 @@
           <a:p>
             <a:fld id="{1681B6C6-8419-6843-AAC7-3C6571B722FB}" type="datetimeFigureOut">
               <a:rPr kumimoji="1" lang="zh-CN" altLang="en-US" smtClean="0"/>
-              <a:t>2018/11/13</a:t>
+              <a:t>2018/11/14</a:t>
             </a:fld>
             <a:endParaRPr kumimoji="1" lang="zh-CN" altLang="en-US"/>
           </a:p>
@@ -22452,7 +22436,7 @@
           <a:p>
             <a:fld id="{1681B6C6-8419-6843-AAC7-3C6571B722FB}" type="datetimeFigureOut">
               <a:rPr kumimoji="1" lang="zh-CN" altLang="en-US" smtClean="0"/>
-              <a:t>2018/11/13</a:t>
+              <a:t>2018/11/14</a:t>
             </a:fld>
             <a:endParaRPr kumimoji="1" lang="zh-CN" altLang="en-US"/>
           </a:p>
@@ -22814,7 +22798,7 @@
           <a:p>
             <a:fld id="{1681B6C6-8419-6843-AAC7-3C6571B722FB}" type="datetimeFigureOut">
               <a:rPr kumimoji="1" lang="zh-CN" altLang="en-US" smtClean="0"/>
-              <a:t>2018/11/13</a:t>
+              <a:t>2018/11/14</a:t>
             </a:fld>
             <a:endParaRPr kumimoji="1" lang="zh-CN" altLang="en-US"/>
           </a:p>
@@ -22945,7 +22929,7 @@
           <a:p>
             <a:fld id="{1681B6C6-8419-6843-AAC7-3C6571B722FB}" type="datetimeFigureOut">
               <a:rPr kumimoji="1" lang="zh-CN" altLang="en-US" smtClean="0"/>
-              <a:t>2018/11/13</a:t>
+              <a:t>2018/11/14</a:t>
             </a:fld>
             <a:endParaRPr kumimoji="1" lang="zh-CN" altLang="en-US"/>
           </a:p>
@@ -23035,7 +23019,7 @@
           <a:p>
             <a:fld id="{1681B6C6-8419-6843-AAC7-3C6571B722FB}" type="datetimeFigureOut">
               <a:rPr kumimoji="1" lang="zh-CN" altLang="en-US" smtClean="0"/>
-              <a:t>2018/11/13</a:t>
+              <a:t>2018/11/14</a:t>
             </a:fld>
             <a:endParaRPr kumimoji="1" lang="zh-CN" altLang="en-US"/>
           </a:p>
@@ -23307,7 +23291,7 @@
           <a:p>
             <a:fld id="{1681B6C6-8419-6843-AAC7-3C6571B722FB}" type="datetimeFigureOut">
               <a:rPr kumimoji="1" lang="zh-CN" altLang="en-US" smtClean="0"/>
-              <a:t>2018/11/13</a:t>
+              <a:t>2018/11/14</a:t>
             </a:fld>
             <a:endParaRPr kumimoji="1" lang="zh-CN" altLang="en-US"/>
           </a:p>
@@ -23555,7 +23539,7 @@
           <a:p>
             <a:fld id="{1681B6C6-8419-6843-AAC7-3C6571B722FB}" type="datetimeFigureOut">
               <a:rPr kumimoji="1" lang="zh-CN" altLang="en-US" smtClean="0"/>
-              <a:t>2018/11/13</a:t>
+              <a:t>2018/11/14</a:t>
             </a:fld>
             <a:endParaRPr kumimoji="1" lang="zh-CN" altLang="en-US"/>
           </a:p>
@@ -23763,7 +23747,7 @@
           <a:p>
             <a:fld id="{1681B6C6-8419-6843-AAC7-3C6571B722FB}" type="datetimeFigureOut">
               <a:rPr kumimoji="1" lang="zh-CN" altLang="en-US" smtClean="0"/>
-              <a:t>2018/11/13</a:t>
+              <a:t>2018/11/14</a:t>
             </a:fld>
             <a:endParaRPr kumimoji="1" lang="zh-CN" altLang="en-US"/>
           </a:p>
@@ -24372,7 +24356,7 @@
           <a:p>
             <a:fld id="{BB2C7420-5CB8-0342-A8E8-0E3754D5D583}" type="datetimeFigureOut">
               <a:rPr kumimoji="1" lang="zh-CN" altLang="en-US" smtClean="0"/>
-              <a:t>2018/11/13</a:t>
+              <a:t>2018/11/14</a:t>
             </a:fld>
             <a:endParaRPr kumimoji="1" lang="zh-CN" altLang="en-US"/>
           </a:p>
@@ -25252,7 +25236,7 @@
       </p:sp>
       <p:pic>
         <p:nvPicPr>
-          <p:cNvPr id="5" name="图片 4"/>
+          <p:cNvPr id="2" name="图片 1"/>
           <p:cNvPicPr>
             <a:picLocks noChangeAspect="1"/>
           </p:cNvPicPr>
@@ -25266,8 +25250,8 @@
         </p:blipFill>
         <p:spPr>
           <a:xfrm>
-            <a:off x="841841" y="1047118"/>
-            <a:ext cx="10645309" cy="5316632"/>
+            <a:off x="848985" y="1100139"/>
+            <a:ext cx="10639275" cy="5313618"/>
           </a:xfrm>
           <a:prstGeom prst="rect">
             <a:avLst/>
